--- a/contracts/Pack.pptx
+++ b/contracts/Pack.pptx
@@ -513,7 +513,7 @@
           <a:p>
             <a:r>
               <a:rPr lang="en-US" dirty="0"/>
-              <a:t>Interactions: mock a response given a request</a:t>
+              <a:t>Interactions: mock a response given a request (also called STUBS)</a:t>
             </a:r>
           </a:p>
         </p:txBody>
